--- a/Proyecto/PRESENTACION ALGORITMO.pptx
+++ b/Proyecto/PRESENTACION ALGORITMO.pptx
@@ -109,6 +109,11 @@
       </a:defRPr>
     </a:lvl9pPr>
   </p:defaultTextStyle>
+  <p:extLst>
+    <p:ext uri="{EFAFB233-063F-42B5-8137-9DF3F51BA10A}">
+      <p15:sldGuideLst xmlns:p15="http://schemas.microsoft.com/office/powerpoint/2012/main"/>
+    </p:ext>
+  </p:extLst>
 </p:presentation>
 </file>
 
@@ -4161,6 +4166,42 @@
           <a:chExt cx="0" cy="0"/>
         </a:xfrm>
       </p:grpSpPr>
+      <p:pic>
+        <p:nvPicPr>
+          <p:cNvPr id="4" name="Imagen 3" descr="Texto&#10;&#10;Descripción generada automáticamente">
+            <a:extLst>
+              <a:ext uri="{FF2B5EF4-FFF2-40B4-BE49-F238E27FC236}">
+                <a16:creationId xmlns:a16="http://schemas.microsoft.com/office/drawing/2014/main" id="{08AB592B-ADDD-49E5-89FD-1327D49D5B03}"/>
+              </a:ext>
+            </a:extLst>
+          </p:cNvPr>
+          <p:cNvPicPr>
+            <a:picLocks noChangeAspect="1"/>
+          </p:cNvPicPr>
+          <p:nvPr/>
+        </p:nvPicPr>
+        <p:blipFill>
+          <a:blip r:embed="rId2">
+            <a:extLst>
+              <a:ext uri="{28A0092B-C50C-407E-A947-70E740481C1C}">
+                <a14:useLocalDpi xmlns:a14="http://schemas.microsoft.com/office/drawing/2010/main" val="0"/>
+              </a:ext>
+            </a:extLst>
+          </a:blip>
+          <a:stretch>
+            <a:fillRect/>
+          </a:stretch>
+        </p:blipFill>
+        <p:spPr>
+          <a:xfrm>
+            <a:off x="0" y="0"/>
+            <a:ext cx="12358255" cy="6858000"/>
+          </a:xfrm>
+          <a:prstGeom prst="rect">
+            <a:avLst/>
+          </a:prstGeom>
+        </p:spPr>
+      </p:pic>
       <p:sp>
         <p:nvSpPr>
           <p:cNvPr id="2" name="Rectángulo 1">
@@ -4175,7 +4216,7 @@
         </p:nvSpPr>
         <p:spPr>
           <a:xfrm>
-            <a:off x="3940826" y="153114"/>
+            <a:off x="4208680" y="0"/>
             <a:ext cx="4310347" cy="923330"/>
           </a:xfrm>
           <a:prstGeom prst="rect">
